--- a/課題研究/2015/石川大貴/ポスター.pptx
+++ b/課題研究/2015/石川大貴/ポスター.pptx
@@ -3893,27 +3893,17 @@
             <a:prstGeom prst="rect">
               <a:avLst/>
             </a:prstGeom>
-            <a:solidFill>
-              <a:schemeClr val="accent5">
-                <a:lumMod val="20000"/>
-                <a:lumOff val="80000"/>
-              </a:schemeClr>
-            </a:solidFill>
-            <a:ln>
-              <a:solidFill>
-                <a:schemeClr val="tx1"/>
-              </a:solidFill>
-            </a:ln>
+            <a:ln/>
           </p:spPr>
           <p:style>
-            <a:lnRef idx="1">
-              <a:schemeClr val="accent5"/>
+            <a:lnRef idx="2">
+              <a:schemeClr val="accent1"/>
             </a:lnRef>
-            <a:fillRef idx="2">
-              <a:schemeClr val="accent5"/>
+            <a:fillRef idx="1">
+              <a:schemeClr val="lt1"/>
             </a:fillRef>
-            <a:effectRef idx="1">
-              <a:schemeClr val="accent5"/>
+            <a:effectRef idx="0">
+              <a:schemeClr val="accent1"/>
             </a:effectRef>
             <a:fontRef idx="minor">
               <a:schemeClr val="dk1"/>
@@ -4161,27 +4151,17 @@
             <a:prstGeom prst="rect">
               <a:avLst/>
             </a:prstGeom>
-            <a:solidFill>
-              <a:schemeClr val="accent5">
-                <a:lumMod val="20000"/>
-                <a:lumOff val="80000"/>
-              </a:schemeClr>
-            </a:solidFill>
-            <a:ln>
-              <a:solidFill>
-                <a:schemeClr val="tx1"/>
-              </a:solidFill>
-            </a:ln>
+            <a:ln/>
           </p:spPr>
           <p:style>
-            <a:lnRef idx="1">
-              <a:schemeClr val="accent5"/>
+            <a:lnRef idx="2">
+              <a:schemeClr val="accent1"/>
             </a:lnRef>
-            <a:fillRef idx="2">
-              <a:schemeClr val="accent5"/>
+            <a:fillRef idx="1">
+              <a:schemeClr val="lt1"/>
             </a:fillRef>
-            <a:effectRef idx="1">
-              <a:schemeClr val="accent5"/>
+            <a:effectRef idx="0">
+              <a:schemeClr val="accent1"/>
             </a:effectRef>
             <a:fontRef idx="minor">
               <a:schemeClr val="dk1"/>
@@ -4390,27 +4370,17 @@
             <a:prstGeom prst="rect">
               <a:avLst/>
             </a:prstGeom>
-            <a:solidFill>
-              <a:schemeClr val="accent5">
-                <a:lumMod val="20000"/>
-                <a:lumOff val="80000"/>
-              </a:schemeClr>
-            </a:solidFill>
-            <a:ln>
-              <a:solidFill>
-                <a:schemeClr val="tx1"/>
-              </a:solidFill>
-            </a:ln>
+            <a:ln/>
           </p:spPr>
           <p:style>
-            <a:lnRef idx="1">
-              <a:schemeClr val="accent5"/>
+            <a:lnRef idx="2">
+              <a:schemeClr val="accent1"/>
             </a:lnRef>
-            <a:fillRef idx="2">
-              <a:schemeClr val="accent5"/>
+            <a:fillRef idx="1">
+              <a:schemeClr val="lt1"/>
             </a:fillRef>
-            <a:effectRef idx="1">
-              <a:schemeClr val="accent5"/>
+            <a:effectRef idx="0">
+              <a:schemeClr val="accent1"/>
             </a:effectRef>
             <a:fontRef idx="minor">
               <a:schemeClr val="dk1"/>
@@ -4489,7 +4459,7 @@
           <p:spPr>
             <a:xfrm>
               <a:off x="675516" y="28512566"/>
-              <a:ext cx="16831852" cy="1446550"/>
+              <a:ext cx="17408933" cy="1446550"/>
             </a:xfrm>
             <a:prstGeom prst="rect">
               <a:avLst/>
@@ -4502,6 +4472,10 @@
             </a:bodyPr>
             <a:lstStyle/>
             <a:p>
+              <a:pPr marL="571500" indent="-571500">
+                <a:buFont typeface="Arial" panose="020B0604020202020204" pitchFamily="34" charset="0"/>
+                <a:buChar char="•"/>
+              </a:pPr>
               <a:r>
                 <a:rPr lang="ja-JP" altLang="en-US" sz="4400" dirty="0"/>
                 <a:t>提案後のプロジェクトの変化を調査し，よりよい改善を行う</a:t>
@@ -4513,6 +4487,10 @@
               <a:endParaRPr lang="ja-JP" altLang="en-US" sz="4400" dirty="0"/>
             </a:p>
             <a:p>
+              <a:pPr marL="571500" indent="-571500">
+                <a:buFont typeface="Arial" panose="020B0604020202020204" pitchFamily="34" charset="0"/>
+                <a:buChar char="•"/>
+              </a:pPr>
               <a:r>
                 <a:rPr lang="ja-JP" altLang="en-US" sz="4400" dirty="0"/>
                 <a:t>開発現場の現状やツールと技法をさらに調査し，新たな提案を考える．</a:t>
@@ -4550,27 +4528,17 @@
             <a:prstGeom prst="rect">
               <a:avLst/>
             </a:prstGeom>
-            <a:solidFill>
-              <a:schemeClr val="accent5">
-                <a:lumMod val="20000"/>
-                <a:lumOff val="80000"/>
-              </a:schemeClr>
-            </a:solidFill>
-            <a:ln>
-              <a:solidFill>
-                <a:schemeClr val="tx1"/>
-              </a:solidFill>
-            </a:ln>
+            <a:ln/>
           </p:spPr>
           <p:style>
-            <a:lnRef idx="1">
-              <a:schemeClr val="accent5"/>
+            <a:lnRef idx="2">
+              <a:schemeClr val="accent1"/>
             </a:lnRef>
-            <a:fillRef idx="2">
-              <a:schemeClr val="accent5"/>
+            <a:fillRef idx="1">
+              <a:schemeClr val="lt1"/>
             </a:fillRef>
-            <a:effectRef idx="1">
-              <a:schemeClr val="accent5"/>
+            <a:effectRef idx="0">
+              <a:schemeClr val="accent1"/>
             </a:effectRef>
             <a:fontRef idx="minor">
               <a:schemeClr val="dk1"/>
@@ -4806,27 +4774,17 @@
             <a:prstGeom prst="rect">
               <a:avLst/>
             </a:prstGeom>
-            <a:solidFill>
-              <a:schemeClr val="accent5">
-                <a:lumMod val="20000"/>
-                <a:lumOff val="80000"/>
-              </a:schemeClr>
-            </a:solidFill>
-            <a:ln>
-              <a:solidFill>
-                <a:schemeClr val="tx1"/>
-              </a:solidFill>
-            </a:ln>
+            <a:ln/>
           </p:spPr>
           <p:style>
-            <a:lnRef idx="1">
-              <a:schemeClr val="accent5"/>
+            <a:lnRef idx="2">
+              <a:schemeClr val="accent1"/>
             </a:lnRef>
-            <a:fillRef idx="2">
-              <a:schemeClr val="accent5"/>
+            <a:fillRef idx="1">
+              <a:schemeClr val="lt1"/>
             </a:fillRef>
-            <a:effectRef idx="1">
-              <a:schemeClr val="accent5"/>
+            <a:effectRef idx="0">
+              <a:schemeClr val="accent1"/>
             </a:effectRef>
             <a:fontRef idx="minor">
               <a:schemeClr val="dk1"/>
